--- a/Cost of living.pptx
+++ b/Cost of living.pptx
@@ -29,6 +29,8 @@
     <p:sldId id="274" r:id="rId25"/>
     <p:sldId id="275" r:id="rId26"/>
     <p:sldId id="276" r:id="rId27"/>
+    <p:sldId id="277" r:id="rId28"/>
+    <p:sldId id="278" r:id="rId29"/>
   </p:sldIdLst>
   <p:sldSz cy="5143500" cx="9144000"/>
   <p:notesSz cx="6858000" cy="9144000"/>
@@ -909,7 +911,7 @@
   <p:cSld>
     <p:spTree>
       <p:nvGrpSpPr>
-        <p:cNvPr id="122" name="Shape 122"/>
+        <p:cNvPr id="125" name="Shape 125"/>
         <p:cNvGrpSpPr/>
         <p:nvPr/>
       </p:nvGrpSpPr>
@@ -923,7 +925,7 @@
       </p:grpSpPr>
       <p:sp>
         <p:nvSpPr>
-          <p:cNvPr id="123" name="Google Shape;123;g256f49891e8_0_11:notes"/>
+          <p:cNvPr id="126" name="Google Shape;126;g256f49891e8_0_11:notes"/>
           <p:cNvSpPr/>
           <p:nvPr>
             <p:ph idx="2" type="sldImg"/>
@@ -958,7 +960,7 @@
       </p:sp>
       <p:sp>
         <p:nvSpPr>
-          <p:cNvPr id="124" name="Google Shape;124;g256f49891e8_0_11:notes"/>
+          <p:cNvPr id="127" name="Google Shape;127;g256f49891e8_0_11:notes"/>
           <p:cNvSpPr txBox="1"/>
           <p:nvPr>
             <p:ph idx="1" type="body"/>
@@ -1008,7 +1010,7 @@
   <p:cSld>
     <p:spTree>
       <p:nvGrpSpPr>
-        <p:cNvPr id="128" name="Shape 128"/>
+        <p:cNvPr id="131" name="Shape 131"/>
         <p:cNvGrpSpPr/>
         <p:nvPr/>
       </p:nvGrpSpPr>
@@ -1022,7 +1024,7 @@
       </p:grpSpPr>
       <p:sp>
         <p:nvSpPr>
-          <p:cNvPr id="129" name="Google Shape;129;g1b26d684b16_0_359:notes"/>
+          <p:cNvPr id="132" name="Google Shape;132;g1b26d684b16_0_359:notes"/>
           <p:cNvSpPr/>
           <p:nvPr>
             <p:ph idx="2" type="sldImg"/>
@@ -1057,7 +1059,7 @@
       </p:sp>
       <p:sp>
         <p:nvSpPr>
-          <p:cNvPr id="130" name="Google Shape;130;g1b26d684b16_0_359:notes"/>
+          <p:cNvPr id="133" name="Google Shape;133;g1b26d684b16_0_359:notes"/>
           <p:cNvSpPr txBox="1"/>
           <p:nvPr>
             <p:ph idx="1" type="body"/>
@@ -1107,7 +1109,7 @@
   <p:cSld>
     <p:spTree>
       <p:nvGrpSpPr>
-        <p:cNvPr id="136" name="Shape 136"/>
+        <p:cNvPr id="139" name="Shape 139"/>
         <p:cNvGrpSpPr/>
         <p:nvPr/>
       </p:nvGrpSpPr>
@@ -1121,7 +1123,7 @@
       </p:grpSpPr>
       <p:sp>
         <p:nvSpPr>
-          <p:cNvPr id="137" name="Google Shape;137;g25743dfd6ab_0_24:notes"/>
+          <p:cNvPr id="140" name="Google Shape;140;g25743dfd6ab_0_24:notes"/>
           <p:cNvSpPr/>
           <p:nvPr>
             <p:ph idx="2" type="sldImg"/>
@@ -1156,7 +1158,7 @@
       </p:sp>
       <p:sp>
         <p:nvSpPr>
-          <p:cNvPr id="138" name="Google Shape;138;g25743dfd6ab_0_24:notes"/>
+          <p:cNvPr id="141" name="Google Shape;141;g25743dfd6ab_0_24:notes"/>
           <p:cNvSpPr txBox="1"/>
           <p:nvPr>
             <p:ph idx="1" type="body"/>
@@ -1206,7 +1208,7 @@
   <p:cSld>
     <p:spTree>
       <p:nvGrpSpPr>
-        <p:cNvPr id="144" name="Shape 144"/>
+        <p:cNvPr id="147" name="Shape 147"/>
         <p:cNvGrpSpPr/>
         <p:nvPr/>
       </p:nvGrpSpPr>
@@ -1220,7 +1222,7 @@
       </p:grpSpPr>
       <p:sp>
         <p:nvSpPr>
-          <p:cNvPr id="145" name="Google Shape;145;g1b26d684b16_0_364:notes"/>
+          <p:cNvPr id="148" name="Google Shape;148;g1b26d684b16_0_364:notes"/>
           <p:cNvSpPr/>
           <p:nvPr>
             <p:ph idx="2" type="sldImg"/>
@@ -1255,7 +1257,7 @@
       </p:sp>
       <p:sp>
         <p:nvSpPr>
-          <p:cNvPr id="146" name="Google Shape;146;g1b26d684b16_0_364:notes"/>
+          <p:cNvPr id="149" name="Google Shape;149;g1b26d684b16_0_364:notes"/>
           <p:cNvSpPr txBox="1"/>
           <p:nvPr>
             <p:ph idx="1" type="body"/>
@@ -1305,7 +1307,7 @@
   <p:cSld>
     <p:spTree>
       <p:nvGrpSpPr>
-        <p:cNvPr id="152" name="Shape 152"/>
+        <p:cNvPr id="155" name="Shape 155"/>
         <p:cNvGrpSpPr/>
         <p:nvPr/>
       </p:nvGrpSpPr>
@@ -1319,7 +1321,7 @@
       </p:grpSpPr>
       <p:sp>
         <p:nvSpPr>
-          <p:cNvPr id="153" name="Google Shape;153;g256f49891e8_0_19:notes"/>
+          <p:cNvPr id="156" name="Google Shape;156;g256f49891e8_0_19:notes"/>
           <p:cNvSpPr/>
           <p:nvPr>
             <p:ph idx="2" type="sldImg"/>
@@ -1354,7 +1356,7 @@
       </p:sp>
       <p:sp>
         <p:nvSpPr>
-          <p:cNvPr id="154" name="Google Shape;154;g256f49891e8_0_19:notes"/>
+          <p:cNvPr id="157" name="Google Shape;157;g256f49891e8_0_19:notes"/>
           <p:cNvSpPr txBox="1"/>
           <p:nvPr>
             <p:ph idx="1" type="body"/>
@@ -1404,7 +1406,7 @@
   <p:cSld>
     <p:spTree>
       <p:nvGrpSpPr>
-        <p:cNvPr id="158" name="Shape 158"/>
+        <p:cNvPr id="161" name="Shape 161"/>
         <p:cNvGrpSpPr/>
         <p:nvPr/>
       </p:nvGrpSpPr>
@@ -1418,7 +1420,7 @@
       </p:grpSpPr>
       <p:sp>
         <p:nvSpPr>
-          <p:cNvPr id="159" name="Google Shape;159;g1b26d684b16_0_354:notes"/>
+          <p:cNvPr id="162" name="Google Shape;162;g257ac8e8e23_2_0:notes"/>
           <p:cNvSpPr/>
           <p:nvPr>
             <p:ph idx="2" type="sldImg"/>
@@ -1453,7 +1455,7 @@
       </p:sp>
       <p:sp>
         <p:nvSpPr>
-          <p:cNvPr id="160" name="Google Shape;160;g1b26d684b16_0_354:notes"/>
+          <p:cNvPr id="163" name="Google Shape;163;g257ac8e8e23_2_0:notes"/>
           <p:cNvSpPr txBox="1"/>
           <p:nvPr>
             <p:ph idx="1" type="body"/>
@@ -1503,7 +1505,7 @@
   <p:cSld>
     <p:spTree>
       <p:nvGrpSpPr>
-        <p:cNvPr id="164" name="Shape 164"/>
+        <p:cNvPr id="169" name="Shape 169"/>
         <p:cNvGrpSpPr/>
         <p:nvPr/>
       </p:nvGrpSpPr>
@@ -1517,7 +1519,7 @@
       </p:grpSpPr>
       <p:sp>
         <p:nvSpPr>
-          <p:cNvPr id="165" name="Google Shape;165;g1b26d684b16_0_369:notes"/>
+          <p:cNvPr id="170" name="Google Shape;170;g257ac8e8e23_2_43:notes"/>
           <p:cNvSpPr/>
           <p:nvPr>
             <p:ph idx="2" type="sldImg"/>
@@ -1552,7 +1554,7 @@
       </p:sp>
       <p:sp>
         <p:nvSpPr>
-          <p:cNvPr id="166" name="Google Shape;166;g1b26d684b16_0_369:notes"/>
+          <p:cNvPr id="171" name="Google Shape;171;g257ac8e8e23_2_43:notes"/>
           <p:cNvSpPr txBox="1"/>
           <p:nvPr>
             <p:ph idx="1" type="body"/>
@@ -1602,7 +1604,7 @@
   <p:cSld>
     <p:spTree>
       <p:nvGrpSpPr>
-        <p:cNvPr id="171" name="Shape 171"/>
+        <p:cNvPr id="177" name="Shape 177"/>
         <p:cNvGrpSpPr/>
         <p:nvPr/>
       </p:nvGrpSpPr>
@@ -1616,7 +1618,7 @@
       </p:grpSpPr>
       <p:sp>
         <p:nvSpPr>
-          <p:cNvPr id="172" name="Google Shape;172;g256f49891e8_0_26:notes"/>
+          <p:cNvPr id="178" name="Google Shape;178;g256f49891e8_0_26:notes"/>
           <p:cNvSpPr/>
           <p:nvPr>
             <p:ph idx="2" type="sldImg"/>
@@ -1651,7 +1653,7 @@
       </p:sp>
       <p:sp>
         <p:nvSpPr>
-          <p:cNvPr id="173" name="Google Shape;173;g256f49891e8_0_26:notes"/>
+          <p:cNvPr id="179" name="Google Shape;179;g256f49891e8_0_26:notes"/>
           <p:cNvSpPr txBox="1"/>
           <p:nvPr>
             <p:ph idx="1" type="body"/>
@@ -1701,7 +1703,7 @@
   <p:cSld>
     <p:spTree>
       <p:nvGrpSpPr>
-        <p:cNvPr id="177" name="Shape 177"/>
+        <p:cNvPr id="183" name="Shape 183"/>
         <p:cNvGrpSpPr/>
         <p:nvPr/>
       </p:nvGrpSpPr>
@@ -1715,7 +1717,7 @@
       </p:grpSpPr>
       <p:sp>
         <p:nvSpPr>
-          <p:cNvPr id="178" name="Google Shape;178;g1b26d684b16_0_379:notes"/>
+          <p:cNvPr id="184" name="Google Shape;184;g1b26d684b16_0_379:notes"/>
           <p:cNvSpPr/>
           <p:nvPr>
             <p:ph idx="2" type="sldImg"/>
@@ -1750,7 +1752,7 @@
       </p:sp>
       <p:sp>
         <p:nvSpPr>
-          <p:cNvPr id="179" name="Google Shape;179;g1b26d684b16_0_379:notes"/>
+          <p:cNvPr id="185" name="Google Shape;185;g1b26d684b16_0_379:notes"/>
           <p:cNvSpPr txBox="1"/>
           <p:nvPr>
             <p:ph idx="1" type="body"/>
@@ -1899,7 +1901,7 @@
   <p:cSld>
     <p:spTree>
       <p:nvGrpSpPr>
-        <p:cNvPr id="183" name="Shape 183"/>
+        <p:cNvPr id="195" name="Shape 195"/>
         <p:cNvGrpSpPr/>
         <p:nvPr/>
       </p:nvGrpSpPr>
@@ -1913,7 +1915,7 @@
       </p:grpSpPr>
       <p:sp>
         <p:nvSpPr>
-          <p:cNvPr id="184" name="Google Shape;184;g1b120734d8d_0_23:notes"/>
+          <p:cNvPr id="196" name="Google Shape;196;g257ac8e8e23_2_26:notes"/>
           <p:cNvSpPr/>
           <p:nvPr>
             <p:ph idx="2" type="sldImg"/>
@@ -1948,7 +1950,7 @@
       </p:sp>
       <p:sp>
         <p:nvSpPr>
-          <p:cNvPr id="185" name="Google Shape;185;g1b120734d8d_0_23:notes"/>
+          <p:cNvPr id="197" name="Google Shape;197;g257ac8e8e23_2_26:notes"/>
           <p:cNvSpPr txBox="1"/>
           <p:nvPr>
             <p:ph idx="1" type="body"/>
@@ -1998,7 +2000,7 @@
   <p:cSld>
     <p:spTree>
       <p:nvGrpSpPr>
-        <p:cNvPr id="189" name="Shape 189"/>
+        <p:cNvPr id="202" name="Shape 202"/>
         <p:cNvGrpSpPr/>
         <p:nvPr/>
       </p:nvGrpSpPr>
@@ -2012,7 +2014,7 @@
       </p:grpSpPr>
       <p:sp>
         <p:nvSpPr>
-          <p:cNvPr id="190" name="Google Shape;190;g1b120734d8d_0_44:notes"/>
+          <p:cNvPr id="203" name="Google Shape;203;g1b26d684b16_0_369:notes"/>
           <p:cNvSpPr/>
           <p:nvPr>
             <p:ph idx="2" type="sldImg"/>
@@ -2047,7 +2049,205 @@
       </p:sp>
       <p:sp>
         <p:nvSpPr>
-          <p:cNvPr id="191" name="Google Shape;191;g1b120734d8d_0_44:notes"/>
+          <p:cNvPr id="204" name="Google Shape;204;g1b26d684b16_0_369:notes"/>
+          <p:cNvSpPr txBox="1"/>
+          <p:nvPr>
+            <p:ph idx="1" type="body"/>
+          </p:nvPr>
+        </p:nvSpPr>
+        <p:spPr>
+          <a:xfrm>
+            <a:off x="685800" y="4343400"/>
+            <a:ext cx="5486400" cy="4114800"/>
+          </a:xfrm>
+          <a:prstGeom prst="rect">
+            <a:avLst/>
+          </a:prstGeom>
+        </p:spPr>
+        <p:txBody>
+          <a:bodyPr anchorCtr="0" anchor="t" bIns="91425" lIns="91425" spcFirstLastPara="1" rIns="91425" wrap="square" tIns="91425">
+            <a:noAutofit/>
+          </a:bodyPr>
+          <a:lstStyle/>
+          <a:p>
+            <a:pPr indent="0" lvl="0" marL="0" rtl="0" algn="l">
+              <a:spcBef>
+                <a:spcPts val="0"/>
+              </a:spcBef>
+              <a:spcAft>
+                <a:spcPts val="0"/>
+              </a:spcAft>
+              <a:buNone/>
+            </a:pPr>
+            <a:r>
+              <a:t/>
+            </a:r>
+            <a:endParaRPr/>
+          </a:p>
+        </p:txBody>
+      </p:sp>
+    </p:spTree>
+  </p:cSld>
+  <p:clrMapOvr>
+    <a:masterClrMapping/>
+  </p:clrMapOvr>
+</p:notes>
+</file>
+
+<file path=ppt/notesSlides/notesSlide22.xml><?xml version="1.0" encoding="utf-8"?>
+<p:notes xmlns:a="http://schemas.openxmlformats.org/drawingml/2006/main" xmlns:r="http://schemas.openxmlformats.org/officeDocument/2006/relationships" xmlns:mc="http://schemas.openxmlformats.org/markup-compatibility/2006" xmlns:mv="urn:schemas-microsoft-com:mac:vml" xmlns:p="http://schemas.openxmlformats.org/presentationml/2006/main" xmlns:c="http://schemas.openxmlformats.org/drawingml/2006/chart" xmlns:dgm="http://schemas.openxmlformats.org/drawingml/2006/diagram" xmlns:o="urn:schemas-microsoft-com:office:office" xmlns:v="urn:schemas-microsoft-com:vml" xmlns:pvml="urn:schemas-microsoft-com:office:powerpoint" xmlns:com="http://schemas.openxmlformats.org/drawingml/2006/compatibility" xmlns:p14="http://schemas.microsoft.com/office/powerpoint/2010/main" xmlns:p15="http://schemas.microsoft.com/office/powerpoint/2012/main" xmlns:ahyp="http://schemas.microsoft.com/office/drawing/2018/hyperlinkcolor" showMasterPhAnim="0" showMasterSp="0">
+  <p:cSld>
+    <p:spTree>
+      <p:nvGrpSpPr>
+        <p:cNvPr id="210" name="Shape 210"/>
+        <p:cNvGrpSpPr/>
+        <p:nvPr/>
+      </p:nvGrpSpPr>
+      <p:grpSpPr>
+        <a:xfrm>
+          <a:off x="0" y="0"/>
+          <a:ext cx="0" cy="0"/>
+          <a:chOff x="0" y="0"/>
+          <a:chExt cx="0" cy="0"/>
+        </a:xfrm>
+      </p:grpSpPr>
+      <p:sp>
+        <p:nvSpPr>
+          <p:cNvPr id="211" name="Google Shape;211;g1b120734d8d_0_23:notes"/>
+          <p:cNvSpPr/>
+          <p:nvPr>
+            <p:ph idx="2" type="sldImg"/>
+          </p:nvPr>
+        </p:nvSpPr>
+        <p:spPr>
+          <a:xfrm>
+            <a:off x="381300" y="685800"/>
+            <a:ext cx="6096000" cy="3429000"/>
+          </a:xfrm>
+          <a:custGeom>
+            <a:rect b="b" l="l" r="r" t="t"/>
+            <a:pathLst>
+              <a:path extrusionOk="0" h="120000" w="120000">
+                <a:moveTo>
+                  <a:pt x="0" y="0"/>
+                </a:moveTo>
+                <a:lnTo>
+                  <a:pt x="120000" y="0"/>
+                </a:lnTo>
+                <a:lnTo>
+                  <a:pt x="120000" y="120000"/>
+                </a:lnTo>
+                <a:lnTo>
+                  <a:pt x="0" y="120000"/>
+                </a:lnTo>
+                <a:close/>
+              </a:path>
+            </a:pathLst>
+          </a:custGeom>
+        </p:spPr>
+      </p:sp>
+      <p:sp>
+        <p:nvSpPr>
+          <p:cNvPr id="212" name="Google Shape;212;g1b120734d8d_0_23:notes"/>
+          <p:cNvSpPr txBox="1"/>
+          <p:nvPr>
+            <p:ph idx="1" type="body"/>
+          </p:nvPr>
+        </p:nvSpPr>
+        <p:spPr>
+          <a:xfrm>
+            <a:off x="685800" y="4343400"/>
+            <a:ext cx="5486400" cy="4114800"/>
+          </a:xfrm>
+          <a:prstGeom prst="rect">
+            <a:avLst/>
+          </a:prstGeom>
+        </p:spPr>
+        <p:txBody>
+          <a:bodyPr anchorCtr="0" anchor="t" bIns="91425" lIns="91425" spcFirstLastPara="1" rIns="91425" wrap="square" tIns="91425">
+            <a:noAutofit/>
+          </a:bodyPr>
+          <a:lstStyle/>
+          <a:p>
+            <a:pPr indent="0" lvl="0" marL="0" rtl="0" algn="l">
+              <a:spcBef>
+                <a:spcPts val="0"/>
+              </a:spcBef>
+              <a:spcAft>
+                <a:spcPts val="0"/>
+              </a:spcAft>
+              <a:buNone/>
+            </a:pPr>
+            <a:r>
+              <a:t/>
+            </a:r>
+            <a:endParaRPr/>
+          </a:p>
+        </p:txBody>
+      </p:sp>
+    </p:spTree>
+  </p:cSld>
+  <p:clrMapOvr>
+    <a:masterClrMapping/>
+  </p:clrMapOvr>
+</p:notes>
+</file>
+
+<file path=ppt/notesSlides/notesSlide23.xml><?xml version="1.0" encoding="utf-8"?>
+<p:notes xmlns:a="http://schemas.openxmlformats.org/drawingml/2006/main" xmlns:r="http://schemas.openxmlformats.org/officeDocument/2006/relationships" xmlns:mc="http://schemas.openxmlformats.org/markup-compatibility/2006" xmlns:mv="urn:schemas-microsoft-com:mac:vml" xmlns:p="http://schemas.openxmlformats.org/presentationml/2006/main" xmlns:c="http://schemas.openxmlformats.org/drawingml/2006/chart" xmlns:dgm="http://schemas.openxmlformats.org/drawingml/2006/diagram" xmlns:o="urn:schemas-microsoft-com:office:office" xmlns:v="urn:schemas-microsoft-com:vml" xmlns:pvml="urn:schemas-microsoft-com:office:powerpoint" xmlns:com="http://schemas.openxmlformats.org/drawingml/2006/compatibility" xmlns:p14="http://schemas.microsoft.com/office/powerpoint/2010/main" xmlns:p15="http://schemas.microsoft.com/office/powerpoint/2012/main" xmlns:ahyp="http://schemas.microsoft.com/office/drawing/2018/hyperlinkcolor" showMasterPhAnim="0" showMasterSp="0">
+  <p:cSld>
+    <p:spTree>
+      <p:nvGrpSpPr>
+        <p:cNvPr id="216" name="Shape 216"/>
+        <p:cNvGrpSpPr/>
+        <p:nvPr/>
+      </p:nvGrpSpPr>
+      <p:grpSpPr>
+        <a:xfrm>
+          <a:off x="0" y="0"/>
+          <a:ext cx="0" cy="0"/>
+          <a:chOff x="0" y="0"/>
+          <a:chExt cx="0" cy="0"/>
+        </a:xfrm>
+      </p:grpSpPr>
+      <p:sp>
+        <p:nvSpPr>
+          <p:cNvPr id="217" name="Google Shape;217;g1b120734d8d_0_44:notes"/>
+          <p:cNvSpPr/>
+          <p:nvPr>
+            <p:ph idx="2" type="sldImg"/>
+          </p:nvPr>
+        </p:nvSpPr>
+        <p:spPr>
+          <a:xfrm>
+            <a:off x="381300" y="685800"/>
+            <a:ext cx="6096000" cy="3429000"/>
+          </a:xfrm>
+          <a:custGeom>
+            <a:rect b="b" l="l" r="r" t="t"/>
+            <a:pathLst>
+              <a:path extrusionOk="0" h="120000" w="120000">
+                <a:moveTo>
+                  <a:pt x="0" y="0"/>
+                </a:moveTo>
+                <a:lnTo>
+                  <a:pt x="120000" y="0"/>
+                </a:lnTo>
+                <a:lnTo>
+                  <a:pt x="120000" y="120000"/>
+                </a:lnTo>
+                <a:lnTo>
+                  <a:pt x="0" y="120000"/>
+                </a:lnTo>
+                <a:close/>
+              </a:path>
+            </a:pathLst>
+          </a:custGeom>
+        </p:spPr>
+      </p:sp>
+      <p:sp>
+        <p:nvSpPr>
+          <p:cNvPr id="218" name="Google Shape;218;g1b120734d8d_0_44:notes"/>
           <p:cNvSpPr txBox="1"/>
           <p:nvPr>
             <p:ph idx="1" type="body"/>
@@ -7902,6 +8102,132 @@
           </a:ln>
         </p:spPr>
       </p:pic>
+      <p:sp>
+        <p:nvSpPr>
+          <p:cNvPr id="122" name="Google Shape;122;p22"/>
+          <p:cNvSpPr txBox="1"/>
+          <p:nvPr/>
+        </p:nvSpPr>
+        <p:spPr>
+          <a:xfrm>
+            <a:off x="1062625" y="2706775"/>
+            <a:ext cx="650100" cy="307800"/>
+          </a:xfrm>
+          <a:prstGeom prst="rect">
+            <a:avLst/>
+          </a:prstGeom>
+          <a:noFill/>
+          <a:ln>
+            <a:noFill/>
+          </a:ln>
+        </p:spPr>
+        <p:txBody>
+          <a:bodyPr anchorCtr="0" anchor="t" bIns="91425" lIns="91425" spcFirstLastPara="1" rIns="91425" wrap="square" tIns="91425">
+            <a:spAutoFit/>
+          </a:bodyPr>
+          <a:lstStyle/>
+          <a:p>
+            <a:pPr indent="0" lvl="0" marL="0" rtl="0" algn="l">
+              <a:spcBef>
+                <a:spcPts val="0"/>
+              </a:spcBef>
+              <a:spcAft>
+                <a:spcPts val="0"/>
+              </a:spcAft>
+              <a:buNone/>
+            </a:pPr>
+            <a:r>
+              <a:rPr b="1" lang="it" sz="800"/>
+              <a:t>Cuba</a:t>
+            </a:r>
+            <a:endParaRPr b="1" sz="800"/>
+          </a:p>
+        </p:txBody>
+      </p:sp>
+      <p:sp>
+        <p:nvSpPr>
+          <p:cNvPr id="123" name="Google Shape;123;p22"/>
+          <p:cNvSpPr txBox="1"/>
+          <p:nvPr/>
+        </p:nvSpPr>
+        <p:spPr>
+          <a:xfrm>
+            <a:off x="2934350" y="4037450"/>
+            <a:ext cx="650100" cy="307800"/>
+          </a:xfrm>
+          <a:prstGeom prst="rect">
+            <a:avLst/>
+          </a:prstGeom>
+          <a:noFill/>
+          <a:ln>
+            <a:noFill/>
+          </a:ln>
+        </p:spPr>
+        <p:txBody>
+          <a:bodyPr anchorCtr="0" anchor="t" bIns="91425" lIns="91425" spcFirstLastPara="1" rIns="91425" wrap="square" tIns="91425">
+            <a:spAutoFit/>
+          </a:bodyPr>
+          <a:lstStyle/>
+          <a:p>
+            <a:pPr indent="0" lvl="0" marL="0" rtl="0" algn="l">
+              <a:spcBef>
+                <a:spcPts val="0"/>
+              </a:spcBef>
+              <a:spcAft>
+                <a:spcPts val="0"/>
+              </a:spcAft>
+              <a:buNone/>
+            </a:pPr>
+            <a:r>
+              <a:rPr b="1" lang="it" sz="800"/>
+              <a:t>Polinesia</a:t>
+            </a:r>
+            <a:endParaRPr b="1" sz="800"/>
+          </a:p>
+        </p:txBody>
+      </p:sp>
+      <p:sp>
+        <p:nvSpPr>
+          <p:cNvPr id="124" name="Google Shape;124;p22"/>
+          <p:cNvSpPr txBox="1"/>
+          <p:nvPr/>
+        </p:nvSpPr>
+        <p:spPr>
+          <a:xfrm>
+            <a:off x="3146400" y="2823325"/>
+            <a:ext cx="650100" cy="307800"/>
+          </a:xfrm>
+          <a:prstGeom prst="rect">
+            <a:avLst/>
+          </a:prstGeom>
+          <a:noFill/>
+          <a:ln>
+            <a:noFill/>
+          </a:ln>
+        </p:spPr>
+        <p:txBody>
+          <a:bodyPr anchorCtr="0" anchor="t" bIns="91425" lIns="91425" spcFirstLastPara="1" rIns="91425" wrap="square" tIns="91425">
+            <a:spAutoFit/>
+          </a:bodyPr>
+          <a:lstStyle/>
+          <a:p>
+            <a:pPr indent="0" lvl="0" marL="0" rtl="0" algn="l">
+              <a:spcBef>
+                <a:spcPts val="0"/>
+              </a:spcBef>
+              <a:spcAft>
+                <a:spcPts val="0"/>
+              </a:spcAft>
+              <a:buNone/>
+            </a:pPr>
+            <a:r>
+              <a:rPr b="1" lang="it" sz="800"/>
+              <a:t>Spain</a:t>
+            </a:r>
+            <a:endParaRPr b="1" sz="800"/>
+          </a:p>
+        </p:txBody>
+      </p:sp>
     </p:spTree>
   </p:cSld>
   <p:clrMapOvr>
@@ -7922,7 +8248,7 @@
     </p:bg>
     <p:spTree>
       <p:nvGrpSpPr>
-        <p:cNvPr id="125" name="Shape 125"/>
+        <p:cNvPr id="128" name="Shape 128"/>
         <p:cNvGrpSpPr/>
         <p:nvPr/>
       </p:nvGrpSpPr>
@@ -7936,7 +8262,7 @@
       </p:grpSpPr>
       <p:sp>
         <p:nvSpPr>
-          <p:cNvPr id="126" name="Google Shape;126;p23"/>
+          <p:cNvPr id="129" name="Google Shape;129;p23"/>
           <p:cNvSpPr txBox="1"/>
           <p:nvPr>
             <p:ph type="ctrTitle"/>
@@ -7984,7 +8310,7 @@
       </p:sp>
       <p:sp>
         <p:nvSpPr>
-          <p:cNvPr id="127" name="Google Shape;127;p23"/>
+          <p:cNvPr id="130" name="Google Shape;130;p23"/>
           <p:cNvSpPr txBox="1"/>
           <p:nvPr>
             <p:ph idx="1" type="subTitle"/>
@@ -8038,7 +8364,7 @@
   <p:cSld>
     <p:spTree>
       <p:nvGrpSpPr>
-        <p:cNvPr id="131" name="Shape 131"/>
+        <p:cNvPr id="134" name="Shape 134"/>
         <p:cNvGrpSpPr/>
         <p:nvPr/>
       </p:nvGrpSpPr>
@@ -8052,7 +8378,7 @@
       </p:grpSpPr>
       <p:sp>
         <p:nvSpPr>
-          <p:cNvPr id="132" name="Google Shape;132;p24"/>
+          <p:cNvPr id="135" name="Google Shape;135;p24"/>
           <p:cNvSpPr txBox="1"/>
           <p:nvPr>
             <p:ph type="title"/>
@@ -8100,7 +8426,7 @@
       </p:sp>
       <p:sp>
         <p:nvSpPr>
-          <p:cNvPr id="133" name="Google Shape;133;p24"/>
+          <p:cNvPr id="136" name="Google Shape;136;p24"/>
           <p:cNvSpPr txBox="1"/>
           <p:nvPr>
             <p:ph idx="1" type="body"/>
@@ -8163,7 +8489,7 @@
       </p:sp>
       <p:pic>
         <p:nvPicPr>
-          <p:cNvPr id="134" name="Google Shape;134;p24"/>
+          <p:cNvPr id="137" name="Google Shape;137;p24"/>
           <p:cNvPicPr preferRelativeResize="0"/>
           <p:nvPr/>
         </p:nvPicPr>
@@ -8191,7 +8517,7 @@
       </p:pic>
       <p:pic>
         <p:nvPicPr>
-          <p:cNvPr id="135" name="Google Shape;135;p24"/>
+          <p:cNvPr id="138" name="Google Shape;138;p24"/>
           <p:cNvPicPr preferRelativeResize="0"/>
           <p:nvPr/>
         </p:nvPicPr>
@@ -8230,7 +8556,7 @@
   <p:cSld>
     <p:spTree>
       <p:nvGrpSpPr>
-        <p:cNvPr id="139" name="Shape 139"/>
+        <p:cNvPr id="142" name="Shape 142"/>
         <p:cNvGrpSpPr/>
         <p:nvPr/>
       </p:nvGrpSpPr>
@@ -8244,7 +8570,7 @@
       </p:grpSpPr>
       <p:sp>
         <p:nvSpPr>
-          <p:cNvPr id="140" name="Google Shape;140;p25"/>
+          <p:cNvPr id="143" name="Google Shape;143;p25"/>
           <p:cNvSpPr txBox="1"/>
           <p:nvPr>
             <p:ph type="title"/>
@@ -8292,7 +8618,7 @@
       </p:sp>
       <p:sp>
         <p:nvSpPr>
-          <p:cNvPr id="141" name="Google Shape;141;p25"/>
+          <p:cNvPr id="144" name="Google Shape;144;p25"/>
           <p:cNvSpPr txBox="1"/>
           <p:nvPr>
             <p:ph idx="1" type="body"/>
@@ -8355,7 +8681,7 @@
       </p:sp>
       <p:pic>
         <p:nvPicPr>
-          <p:cNvPr id="142" name="Google Shape;142;p25"/>
+          <p:cNvPr id="145" name="Google Shape;145;p25"/>
           <p:cNvPicPr preferRelativeResize="0"/>
           <p:nvPr/>
         </p:nvPicPr>
@@ -8382,7 +8708,7 @@
       </p:pic>
       <p:pic>
         <p:nvPicPr>
-          <p:cNvPr id="143" name="Google Shape;143;p25"/>
+          <p:cNvPr id="146" name="Google Shape;146;p25"/>
           <p:cNvPicPr preferRelativeResize="0"/>
           <p:nvPr/>
         </p:nvPicPr>
@@ -8421,7 +8747,7 @@
   <p:cSld>
     <p:spTree>
       <p:nvGrpSpPr>
-        <p:cNvPr id="147" name="Shape 147"/>
+        <p:cNvPr id="150" name="Shape 150"/>
         <p:cNvGrpSpPr/>
         <p:nvPr/>
       </p:nvGrpSpPr>
@@ -8435,7 +8761,7 @@
       </p:grpSpPr>
       <p:sp>
         <p:nvSpPr>
-          <p:cNvPr id="148" name="Google Shape;148;p26"/>
+          <p:cNvPr id="151" name="Google Shape;151;p26"/>
           <p:cNvSpPr txBox="1"/>
           <p:nvPr>
             <p:ph type="title"/>
@@ -8483,7 +8809,7 @@
       </p:sp>
       <p:sp>
         <p:nvSpPr>
-          <p:cNvPr id="149" name="Google Shape;149;p26"/>
+          <p:cNvPr id="152" name="Google Shape;152;p26"/>
           <p:cNvSpPr txBox="1"/>
           <p:nvPr>
             <p:ph idx="1" type="body"/>
@@ -8526,7 +8852,7 @@
       </p:sp>
       <p:pic>
         <p:nvPicPr>
-          <p:cNvPr id="150" name="Google Shape;150;p26"/>
+          <p:cNvPr id="153" name="Google Shape;153;p26"/>
           <p:cNvPicPr preferRelativeResize="0"/>
           <p:nvPr/>
         </p:nvPicPr>
@@ -8554,7 +8880,7 @@
       </p:pic>
       <p:pic>
         <p:nvPicPr>
-          <p:cNvPr id="151" name="Google Shape;151;p26"/>
+          <p:cNvPr id="154" name="Google Shape;154;p26"/>
           <p:cNvPicPr preferRelativeResize="0"/>
           <p:nvPr/>
         </p:nvPicPr>
@@ -8600,7 +8926,7 @@
     </p:bg>
     <p:spTree>
       <p:nvGrpSpPr>
-        <p:cNvPr id="155" name="Shape 155"/>
+        <p:cNvPr id="158" name="Shape 158"/>
         <p:cNvGrpSpPr/>
         <p:nvPr/>
       </p:nvGrpSpPr>
@@ -8614,7 +8940,7 @@
       </p:grpSpPr>
       <p:sp>
         <p:nvSpPr>
-          <p:cNvPr id="156" name="Google Shape;156;p27"/>
+          <p:cNvPr id="159" name="Google Shape;159;p27"/>
           <p:cNvSpPr txBox="1"/>
           <p:nvPr>
             <p:ph type="ctrTitle"/>
@@ -8670,7 +8996,7 @@
       </p:sp>
       <p:sp>
         <p:nvSpPr>
-          <p:cNvPr id="157" name="Google Shape;157;p27"/>
+          <p:cNvPr id="160" name="Google Shape;160;p27"/>
           <p:cNvSpPr txBox="1"/>
           <p:nvPr>
             <p:ph idx="1" type="subTitle"/>
@@ -8724,7 +9050,7 @@
   <p:cSld>
     <p:spTree>
       <p:nvGrpSpPr>
-        <p:cNvPr id="161" name="Shape 161"/>
+        <p:cNvPr id="164" name="Shape 164"/>
         <p:cNvGrpSpPr/>
         <p:nvPr/>
       </p:nvGrpSpPr>
@@ -8738,7 +9064,7 @@
       </p:grpSpPr>
       <p:sp>
         <p:nvSpPr>
-          <p:cNvPr id="162" name="Google Shape;162;p28"/>
+          <p:cNvPr id="165" name="Google Shape;165;p28"/>
           <p:cNvSpPr txBox="1"/>
           <p:nvPr>
             <p:ph type="title"/>
@@ -8774,7 +9100,7 @@
                   <a:srgbClr val="38761D"/>
                 </a:solidFill>
               </a:rPr>
-              <a:t>Grafico a barre città principali italiane a confronto </a:t>
+              <a:t>Qualità della vita in italia</a:t>
             </a:r>
             <a:endParaRPr b="1" sz="2500">
               <a:solidFill>
@@ -8786,7 +9112,7 @@
       </p:sp>
       <p:sp>
         <p:nvSpPr>
-          <p:cNvPr id="163" name="Google Shape;163;p28"/>
+          <p:cNvPr id="166" name="Google Shape;166;p28"/>
           <p:cNvSpPr txBox="1"/>
           <p:nvPr>
             <p:ph idx="1" type="body"/>
@@ -8825,17 +9151,72 @@
               <a:buNone/>
             </a:pPr>
             <a:r>
-              <a:rPr lang="it" sz="2500">
-                <a:solidFill>
-                  <a:schemeClr val="dk1"/>
-                </a:solidFill>
-              </a:rPr>
-              <a:t>(Relazione costo vita/stipendio)</a:t>
+              <a:t/>
             </a:r>
-            <a:endParaRPr/>
+            <a:endParaRPr sz="2500">
+              <a:solidFill>
+                <a:schemeClr val="dk1"/>
+              </a:solidFill>
+            </a:endParaRPr>
           </a:p>
         </p:txBody>
       </p:sp>
+      <p:pic>
+        <p:nvPicPr>
+          <p:cNvPr id="167" name="Google Shape;167;p28"/>
+          <p:cNvPicPr preferRelativeResize="0"/>
+          <p:nvPr/>
+        </p:nvPicPr>
+        <p:blipFill>
+          <a:blip r:embed="rId3">
+            <a:alphaModFix/>
+          </a:blip>
+          <a:stretch>
+            <a:fillRect/>
+          </a:stretch>
+        </p:blipFill>
+        <p:spPr>
+          <a:xfrm>
+            <a:off x="8230848" y="89173"/>
+            <a:ext cx="821453" cy="572699"/>
+          </a:xfrm>
+          <a:prstGeom prst="rect">
+            <a:avLst/>
+          </a:prstGeom>
+          <a:noFill/>
+          <a:ln>
+            <a:noFill/>
+          </a:ln>
+        </p:spPr>
+      </p:pic>
+      <p:pic>
+        <p:nvPicPr>
+          <p:cNvPr id="168" name="Google Shape;168;p28"/>
+          <p:cNvPicPr preferRelativeResize="0"/>
+          <p:nvPr/>
+        </p:nvPicPr>
+        <p:blipFill>
+          <a:blip r:embed="rId4">
+            <a:alphaModFix/>
+          </a:blip>
+          <a:stretch>
+            <a:fillRect/>
+          </a:stretch>
+        </p:blipFill>
+        <p:spPr>
+          <a:xfrm>
+            <a:off x="311700" y="1152475"/>
+            <a:ext cx="6993793" cy="3991025"/>
+          </a:xfrm>
+          <a:prstGeom prst="rect">
+            <a:avLst/>
+          </a:prstGeom>
+          <a:noFill/>
+          <a:ln>
+            <a:noFill/>
+          </a:ln>
+        </p:spPr>
+      </p:pic>
     </p:spTree>
   </p:cSld>
   <p:clrMapOvr>
@@ -8849,7 +9230,7 @@
   <p:cSld>
     <p:spTree>
       <p:nvGrpSpPr>
-        <p:cNvPr id="167" name="Shape 167"/>
+        <p:cNvPr id="172" name="Shape 172"/>
         <p:cNvGrpSpPr/>
         <p:nvPr/>
       </p:nvGrpSpPr>
@@ -8863,7 +9244,7 @@
       </p:grpSpPr>
       <p:sp>
         <p:nvSpPr>
-          <p:cNvPr id="168" name="Google Shape;168;p29"/>
+          <p:cNvPr id="173" name="Google Shape;173;p29"/>
           <p:cNvSpPr txBox="1"/>
           <p:nvPr>
             <p:ph type="title"/>
@@ -8880,7 +9261,7 @@
         </p:spPr>
         <p:txBody>
           <a:bodyPr anchorCtr="0" anchor="t" bIns="91425" lIns="91425" spcFirstLastPara="1" rIns="91425" wrap="square" tIns="91425">
-            <a:normAutofit/>
+            <a:noAutofit/>
           </a:bodyPr>
           <a:lstStyle/>
           <a:p>
@@ -8899,7 +9280,7 @@
                   <a:srgbClr val="38761D"/>
                 </a:solidFill>
               </a:rPr>
-              <a:t>Confronto affitti in italia</a:t>
+              <a:t>Qualità della vita in italia</a:t>
             </a:r>
             <a:endParaRPr b="1" sz="2500">
               <a:solidFill>
@@ -8911,7 +9292,7 @@
       </p:sp>
       <p:sp>
         <p:nvSpPr>
-          <p:cNvPr id="169" name="Google Shape;169;p29"/>
+          <p:cNvPr id="174" name="Google Shape;174;p29"/>
           <p:cNvSpPr txBox="1"/>
           <p:nvPr>
             <p:ph idx="1" type="body"/>
@@ -8933,24 +9314,36 @@
           <a:lstStyle/>
           <a:p>
             <a:pPr indent="0" lvl="0" marL="0" rtl="0" algn="l">
-              <a:spcBef>
-                <a:spcPts val="0"/>
-              </a:spcBef>
-              <a:spcAft>
-                <a:spcPts val="1200"/>
-              </a:spcAft>
+              <a:lnSpc>
+                <a:spcPct val="100000"/>
+              </a:lnSpc>
+              <a:spcBef>
+                <a:spcPts val="0"/>
+              </a:spcBef>
+              <a:spcAft>
+                <a:spcPts val="0"/>
+              </a:spcAft>
+              <a:buClr>
+                <a:schemeClr val="dk1"/>
+              </a:buClr>
+              <a:buSzPts val="1100"/>
+              <a:buFont typeface="Arial"/>
               <a:buNone/>
             </a:pPr>
             <a:r>
               <a:t/>
             </a:r>
-            <a:endParaRPr/>
+            <a:endParaRPr sz="1100">
+              <a:solidFill>
+                <a:schemeClr val="dk1"/>
+              </a:solidFill>
+            </a:endParaRPr>
           </a:p>
         </p:txBody>
       </p:sp>
       <p:pic>
         <p:nvPicPr>
-          <p:cNvPr id="170" name="Google Shape;170;p29"/>
+          <p:cNvPr id="175" name="Google Shape;175;p29"/>
           <p:cNvPicPr preferRelativeResize="0"/>
           <p:nvPr/>
         </p:nvPicPr>
@@ -8964,8 +9357,36 @@
         </p:blipFill>
         <p:spPr>
           <a:xfrm>
-            <a:off x="311700" y="959925"/>
-            <a:ext cx="8125951" cy="4010200"/>
+            <a:off x="8230848" y="89173"/>
+            <a:ext cx="821453" cy="572699"/>
+          </a:xfrm>
+          <a:prstGeom prst="rect">
+            <a:avLst/>
+          </a:prstGeom>
+          <a:noFill/>
+          <a:ln>
+            <a:noFill/>
+          </a:ln>
+        </p:spPr>
+      </p:pic>
+      <p:pic>
+        <p:nvPicPr>
+          <p:cNvPr id="176" name="Google Shape;176;p29"/>
+          <p:cNvPicPr preferRelativeResize="0"/>
+          <p:nvPr/>
+        </p:nvPicPr>
+        <p:blipFill>
+          <a:blip r:embed="rId4">
+            <a:alphaModFix/>
+          </a:blip>
+          <a:stretch>
+            <a:fillRect/>
+          </a:stretch>
+        </p:blipFill>
+        <p:spPr>
+          <a:xfrm>
+            <a:off x="1578587" y="1152475"/>
+            <a:ext cx="5986815" cy="3416400"/>
           </a:xfrm>
           <a:prstGeom prst="rect">
             <a:avLst/>
@@ -8996,7 +9417,7 @@
     </p:bg>
     <p:spTree>
       <p:nvGrpSpPr>
-        <p:cNvPr id="174" name="Shape 174"/>
+        <p:cNvPr id="180" name="Shape 180"/>
         <p:cNvGrpSpPr/>
         <p:nvPr/>
       </p:nvGrpSpPr>
@@ -9010,7 +9431,7 @@
       </p:grpSpPr>
       <p:sp>
         <p:nvSpPr>
-          <p:cNvPr id="175" name="Google Shape;175;p30"/>
+          <p:cNvPr id="181" name="Google Shape;181;p30"/>
           <p:cNvSpPr txBox="1"/>
           <p:nvPr>
             <p:ph type="ctrTitle"/>
@@ -9058,7 +9479,7 @@
       </p:sp>
       <p:sp>
         <p:nvSpPr>
-          <p:cNvPr id="176" name="Google Shape;176;p30"/>
+          <p:cNvPr id="182" name="Google Shape;182;p30"/>
           <p:cNvSpPr txBox="1"/>
           <p:nvPr>
             <p:ph idx="1" type="subTitle"/>
@@ -9112,7 +9533,7 @@
   <p:cSld>
     <p:spTree>
       <p:nvGrpSpPr>
-        <p:cNvPr id="180" name="Shape 180"/>
+        <p:cNvPr id="186" name="Shape 186"/>
         <p:cNvGrpSpPr/>
         <p:nvPr/>
       </p:nvGrpSpPr>
@@ -9126,7 +9547,7 @@
       </p:grpSpPr>
       <p:sp>
         <p:nvSpPr>
-          <p:cNvPr id="181" name="Google Shape;181;p31"/>
+          <p:cNvPr id="187" name="Google Shape;187;p31"/>
           <p:cNvSpPr txBox="1"/>
           <p:nvPr>
             <p:ph type="title"/>
@@ -9162,7 +9583,26 @@
                   <a:srgbClr val="38761D"/>
                 </a:solidFill>
               </a:rPr>
-              <a:t>Grafico mondo affitti case</a:t>
+              <a:t>Alcuni stati messi a confronto</a:t>
+            </a:r>
+            <a:endParaRPr b="1">
+              <a:solidFill>
+                <a:srgbClr val="38761D"/>
+              </a:solidFill>
+            </a:endParaRPr>
+          </a:p>
+          <a:p>
+            <a:pPr indent="0" lvl="0" marL="0" rtl="0" algn="l">
+              <a:spcBef>
+                <a:spcPts val="0"/>
+              </a:spcBef>
+              <a:spcAft>
+                <a:spcPts val="0"/>
+              </a:spcAft>
+              <a:buNone/>
+            </a:pPr>
+            <a:r>
+              <a:t/>
             </a:r>
             <a:endParaRPr b="1">
               <a:solidFill>
@@ -9174,7 +9614,7 @@
       </p:sp>
       <p:pic>
         <p:nvPicPr>
-          <p:cNvPr id="182" name="Google Shape;182;p31"/>
+          <p:cNvPr id="188" name="Google Shape;188;p31"/>
           <p:cNvPicPr preferRelativeResize="0"/>
           <p:nvPr/>
         </p:nvPicPr>
@@ -9188,8 +9628,176 @@
         </p:blipFill>
         <p:spPr>
           <a:xfrm>
-            <a:off x="404550" y="1129700"/>
-            <a:ext cx="8053924" cy="3688751"/>
+            <a:off x="311700" y="2210375"/>
+            <a:ext cx="2260425" cy="2029875"/>
+          </a:xfrm>
+          <a:prstGeom prst="rect">
+            <a:avLst/>
+          </a:prstGeom>
+          <a:noFill/>
+          <a:ln>
+            <a:noFill/>
+          </a:ln>
+        </p:spPr>
+      </p:pic>
+      <p:pic>
+        <p:nvPicPr>
+          <p:cNvPr id="189" name="Google Shape;189;p31"/>
+          <p:cNvPicPr preferRelativeResize="0"/>
+          <p:nvPr/>
+        </p:nvPicPr>
+        <p:blipFill>
+          <a:blip r:embed="rId4">
+            <a:alphaModFix/>
+          </a:blip>
+          <a:stretch>
+            <a:fillRect/>
+          </a:stretch>
+        </p:blipFill>
+        <p:spPr>
+          <a:xfrm>
+            <a:off x="1222575" y="1520050"/>
+            <a:ext cx="438675" cy="188000"/>
+          </a:xfrm>
+          <a:prstGeom prst="rect">
+            <a:avLst/>
+          </a:prstGeom>
+          <a:noFill/>
+          <a:ln>
+            <a:noFill/>
+          </a:ln>
+        </p:spPr>
+      </p:pic>
+      <p:pic>
+        <p:nvPicPr>
+          <p:cNvPr id="190" name="Google Shape;190;p31"/>
+          <p:cNvPicPr preferRelativeResize="0"/>
+          <p:nvPr/>
+        </p:nvPicPr>
+        <p:blipFill>
+          <a:blip r:embed="rId5">
+            <a:alphaModFix/>
+          </a:blip>
+          <a:stretch>
+            <a:fillRect/>
+          </a:stretch>
+        </p:blipFill>
+        <p:spPr>
+          <a:xfrm>
+            <a:off x="8180550" y="75772"/>
+            <a:ext cx="882625" cy="483550"/>
+          </a:xfrm>
+          <a:prstGeom prst="rect">
+            <a:avLst/>
+          </a:prstGeom>
+          <a:noFill/>
+          <a:ln>
+            <a:noFill/>
+          </a:ln>
+        </p:spPr>
+      </p:pic>
+      <p:pic>
+        <p:nvPicPr>
+          <p:cNvPr id="191" name="Google Shape;191;p31"/>
+          <p:cNvPicPr preferRelativeResize="0"/>
+          <p:nvPr/>
+        </p:nvPicPr>
+        <p:blipFill>
+          <a:blip r:embed="rId6">
+            <a:alphaModFix/>
+          </a:blip>
+          <a:stretch>
+            <a:fillRect/>
+          </a:stretch>
+        </p:blipFill>
+        <p:spPr>
+          <a:xfrm>
+            <a:off x="3095112" y="2221613"/>
+            <a:ext cx="2260425" cy="2007392"/>
+          </a:xfrm>
+          <a:prstGeom prst="rect">
+            <a:avLst/>
+          </a:prstGeom>
+          <a:noFill/>
+          <a:ln>
+            <a:noFill/>
+          </a:ln>
+        </p:spPr>
+      </p:pic>
+      <p:pic>
+        <p:nvPicPr>
+          <p:cNvPr id="192" name="Google Shape;192;p31"/>
+          <p:cNvPicPr preferRelativeResize="0"/>
+          <p:nvPr/>
+        </p:nvPicPr>
+        <p:blipFill>
+          <a:blip r:embed="rId7">
+            <a:alphaModFix/>
+          </a:blip>
+          <a:stretch>
+            <a:fillRect/>
+          </a:stretch>
+        </p:blipFill>
+        <p:spPr>
+          <a:xfrm>
+            <a:off x="3868137" y="1524425"/>
+            <a:ext cx="714375" cy="190500"/>
+          </a:xfrm>
+          <a:prstGeom prst="rect">
+            <a:avLst/>
+          </a:prstGeom>
+          <a:noFill/>
+          <a:ln>
+            <a:noFill/>
+          </a:ln>
+        </p:spPr>
+      </p:pic>
+      <p:pic>
+        <p:nvPicPr>
+          <p:cNvPr id="193" name="Google Shape;193;p31"/>
+          <p:cNvPicPr preferRelativeResize="0"/>
+          <p:nvPr/>
+        </p:nvPicPr>
+        <p:blipFill>
+          <a:blip r:embed="rId8">
+            <a:alphaModFix/>
+          </a:blip>
+          <a:stretch>
+            <a:fillRect/>
+          </a:stretch>
+        </p:blipFill>
+        <p:spPr>
+          <a:xfrm>
+            <a:off x="5878505" y="2210375"/>
+            <a:ext cx="2302021" cy="2029875"/>
+          </a:xfrm>
+          <a:prstGeom prst="rect">
+            <a:avLst/>
+          </a:prstGeom>
+          <a:noFill/>
+          <a:ln>
+            <a:noFill/>
+          </a:ln>
+        </p:spPr>
+      </p:pic>
+      <p:pic>
+        <p:nvPicPr>
+          <p:cNvPr id="194" name="Google Shape;194;p31"/>
+          <p:cNvPicPr preferRelativeResize="0"/>
+          <p:nvPr/>
+        </p:nvPicPr>
+        <p:blipFill>
+          <a:blip r:embed="rId9">
+            <a:alphaModFix/>
+          </a:blip>
+          <a:stretch>
+            <a:fillRect/>
+          </a:stretch>
+        </p:blipFill>
+        <p:spPr>
+          <a:xfrm>
+            <a:off x="6658038" y="1528325"/>
+            <a:ext cx="742950" cy="171450"/>
           </a:xfrm>
           <a:prstGeom prst="rect">
             <a:avLst/>
@@ -9341,7 +9949,7 @@
   <p:cSld>
     <p:spTree>
       <p:nvGrpSpPr>
-        <p:cNvPr id="186" name="Shape 186"/>
+        <p:cNvPr id="198" name="Shape 198"/>
         <p:cNvGrpSpPr/>
         <p:nvPr/>
       </p:nvGrpSpPr>
@@ -9355,7 +9963,320 @@
       </p:grpSpPr>
       <p:sp>
         <p:nvSpPr>
-          <p:cNvPr id="187" name="Google Shape;187;p32"/>
+          <p:cNvPr id="199" name="Google Shape;199;p32"/>
+          <p:cNvSpPr txBox="1"/>
+          <p:nvPr>
+            <p:ph type="title"/>
+          </p:nvPr>
+        </p:nvSpPr>
+        <p:spPr>
+          <a:xfrm>
+            <a:off x="311700" y="445025"/>
+            <a:ext cx="8520600" cy="572700"/>
+          </a:xfrm>
+          <a:prstGeom prst="rect">
+            <a:avLst/>
+          </a:prstGeom>
+        </p:spPr>
+        <p:txBody>
+          <a:bodyPr anchorCtr="0" anchor="t" bIns="91425" lIns="91425" spcFirstLastPara="1" rIns="91425" wrap="square" tIns="91425">
+            <a:normAutofit fontScale="90000"/>
+          </a:bodyPr>
+          <a:lstStyle/>
+          <a:p>
+            <a:pPr indent="0" lvl="0" marL="0" rtl="0" algn="l">
+              <a:spcBef>
+                <a:spcPts val="0"/>
+              </a:spcBef>
+              <a:spcAft>
+                <a:spcPts val="0"/>
+              </a:spcAft>
+              <a:buNone/>
+            </a:pPr>
+            <a:r>
+              <a:rPr b="1" lang="it">
+                <a:solidFill>
+                  <a:srgbClr val="38761D"/>
+                </a:solidFill>
+              </a:rPr>
+              <a:t>Costo per </a:t>
+            </a:r>
+            <a:r>
+              <a:rPr b="1" lang="it">
+                <a:solidFill>
+                  <a:srgbClr val="38761D"/>
+                </a:solidFill>
+              </a:rPr>
+              <a:t>gli affitti</a:t>
+            </a:r>
+            <a:r>
+              <a:rPr b="1" lang="it">
+                <a:solidFill>
+                  <a:srgbClr val="38761D"/>
+                </a:solidFill>
+              </a:rPr>
+              <a:t> delle case</a:t>
+            </a:r>
+            <a:endParaRPr b="1">
+              <a:solidFill>
+                <a:srgbClr val="38761D"/>
+              </a:solidFill>
+            </a:endParaRPr>
+          </a:p>
+        </p:txBody>
+      </p:sp>
+      <p:pic>
+        <p:nvPicPr>
+          <p:cNvPr id="200" name="Google Shape;200;p32"/>
+          <p:cNvPicPr preferRelativeResize="0"/>
+          <p:nvPr/>
+        </p:nvPicPr>
+        <p:blipFill>
+          <a:blip r:embed="rId3">
+            <a:alphaModFix/>
+          </a:blip>
+          <a:stretch>
+            <a:fillRect/>
+          </a:stretch>
+        </p:blipFill>
+        <p:spPr>
+          <a:xfrm>
+            <a:off x="404550" y="1129700"/>
+            <a:ext cx="8053924" cy="3688751"/>
+          </a:xfrm>
+          <a:prstGeom prst="rect">
+            <a:avLst/>
+          </a:prstGeom>
+          <a:noFill/>
+          <a:ln>
+            <a:noFill/>
+          </a:ln>
+        </p:spPr>
+      </p:pic>
+      <p:pic>
+        <p:nvPicPr>
+          <p:cNvPr id="201" name="Google Shape;201;p32"/>
+          <p:cNvPicPr preferRelativeResize="0"/>
+          <p:nvPr/>
+        </p:nvPicPr>
+        <p:blipFill>
+          <a:blip r:embed="rId4">
+            <a:alphaModFix/>
+          </a:blip>
+          <a:stretch>
+            <a:fillRect/>
+          </a:stretch>
+        </p:blipFill>
+        <p:spPr>
+          <a:xfrm>
+            <a:off x="8180550" y="75772"/>
+            <a:ext cx="882625" cy="483550"/>
+          </a:xfrm>
+          <a:prstGeom prst="rect">
+            <a:avLst/>
+          </a:prstGeom>
+          <a:noFill/>
+          <a:ln>
+            <a:noFill/>
+          </a:ln>
+        </p:spPr>
+      </p:pic>
+    </p:spTree>
+  </p:cSld>
+  <p:clrMapOvr>
+    <a:masterClrMapping/>
+  </p:clrMapOvr>
+</p:sld>
+</file>
+
+<file path=ppt/slides/slide21.xml><?xml version="1.0" encoding="utf-8"?>
+<p:sld xmlns:a="http://schemas.openxmlformats.org/drawingml/2006/main" xmlns:r="http://schemas.openxmlformats.org/officeDocument/2006/relationships" xmlns:mc="http://schemas.openxmlformats.org/markup-compatibility/2006" xmlns:mv="urn:schemas-microsoft-com:mac:vml" xmlns:p="http://schemas.openxmlformats.org/presentationml/2006/main" xmlns:c="http://schemas.openxmlformats.org/drawingml/2006/chart" xmlns:dgm="http://schemas.openxmlformats.org/drawingml/2006/diagram" xmlns:o="urn:schemas-microsoft-com:office:office" xmlns:v="urn:schemas-microsoft-com:vml" xmlns:pvml="urn:schemas-microsoft-com:office:powerpoint" xmlns:com="http://schemas.openxmlformats.org/drawingml/2006/compatibility" xmlns:p14="http://schemas.microsoft.com/office/powerpoint/2010/main" xmlns:p15="http://schemas.microsoft.com/office/powerpoint/2012/main" xmlns:ahyp="http://schemas.microsoft.com/office/drawing/2018/hyperlinkcolor">
+  <p:cSld>
+    <p:spTree>
+      <p:nvGrpSpPr>
+        <p:cNvPr id="205" name="Shape 205"/>
+        <p:cNvGrpSpPr/>
+        <p:nvPr/>
+      </p:nvGrpSpPr>
+      <p:grpSpPr>
+        <a:xfrm>
+          <a:off x="0" y="0"/>
+          <a:ext cx="0" cy="0"/>
+          <a:chOff x="0" y="0"/>
+          <a:chExt cx="0" cy="0"/>
+        </a:xfrm>
+      </p:grpSpPr>
+      <p:sp>
+        <p:nvSpPr>
+          <p:cNvPr id="206" name="Google Shape;206;p33"/>
+          <p:cNvSpPr txBox="1"/>
+          <p:nvPr>
+            <p:ph type="title"/>
+          </p:nvPr>
+        </p:nvSpPr>
+        <p:spPr>
+          <a:xfrm>
+            <a:off x="311700" y="445025"/>
+            <a:ext cx="8520600" cy="572700"/>
+          </a:xfrm>
+          <a:prstGeom prst="rect">
+            <a:avLst/>
+          </a:prstGeom>
+        </p:spPr>
+        <p:txBody>
+          <a:bodyPr anchorCtr="0" anchor="t" bIns="91425" lIns="91425" spcFirstLastPara="1" rIns="91425" wrap="square" tIns="91425">
+            <a:normAutofit/>
+          </a:bodyPr>
+          <a:lstStyle/>
+          <a:p>
+            <a:pPr indent="0" lvl="0" marL="0" rtl="0" algn="l">
+              <a:spcBef>
+                <a:spcPts val="0"/>
+              </a:spcBef>
+              <a:spcAft>
+                <a:spcPts val="0"/>
+              </a:spcAft>
+              <a:buNone/>
+            </a:pPr>
+            <a:r>
+              <a:rPr b="1" lang="it" sz="2500">
+                <a:solidFill>
+                  <a:srgbClr val="38761D"/>
+                </a:solidFill>
+              </a:rPr>
+              <a:t>Confronto affitti in italia</a:t>
+            </a:r>
+            <a:endParaRPr b="1" sz="2500">
+              <a:solidFill>
+                <a:srgbClr val="38761D"/>
+              </a:solidFill>
+            </a:endParaRPr>
+          </a:p>
+        </p:txBody>
+      </p:sp>
+      <p:sp>
+        <p:nvSpPr>
+          <p:cNvPr id="207" name="Google Shape;207;p33"/>
+          <p:cNvSpPr txBox="1"/>
+          <p:nvPr>
+            <p:ph idx="1" type="body"/>
+          </p:nvPr>
+        </p:nvSpPr>
+        <p:spPr>
+          <a:xfrm>
+            <a:off x="311700" y="1152475"/>
+            <a:ext cx="8520600" cy="3416400"/>
+          </a:xfrm>
+          <a:prstGeom prst="rect">
+            <a:avLst/>
+          </a:prstGeom>
+        </p:spPr>
+        <p:txBody>
+          <a:bodyPr anchorCtr="0" anchor="t" bIns="91425" lIns="91425" spcFirstLastPara="1" rIns="91425" wrap="square" tIns="91425">
+            <a:normAutofit/>
+          </a:bodyPr>
+          <a:lstStyle/>
+          <a:p>
+            <a:pPr indent="0" lvl="0" marL="0" rtl="0" algn="l">
+              <a:spcBef>
+                <a:spcPts val="0"/>
+              </a:spcBef>
+              <a:spcAft>
+                <a:spcPts val="1200"/>
+              </a:spcAft>
+              <a:buNone/>
+            </a:pPr>
+            <a:r>
+              <a:t/>
+            </a:r>
+            <a:endParaRPr/>
+          </a:p>
+        </p:txBody>
+      </p:sp>
+      <p:pic>
+        <p:nvPicPr>
+          <p:cNvPr id="208" name="Google Shape;208;p33"/>
+          <p:cNvPicPr preferRelativeResize="0"/>
+          <p:nvPr/>
+        </p:nvPicPr>
+        <p:blipFill>
+          <a:blip r:embed="rId3">
+            <a:alphaModFix/>
+          </a:blip>
+          <a:stretch>
+            <a:fillRect/>
+          </a:stretch>
+        </p:blipFill>
+        <p:spPr>
+          <a:xfrm>
+            <a:off x="311700" y="959925"/>
+            <a:ext cx="8125951" cy="4010200"/>
+          </a:xfrm>
+          <a:prstGeom prst="rect">
+            <a:avLst/>
+          </a:prstGeom>
+          <a:noFill/>
+          <a:ln>
+            <a:noFill/>
+          </a:ln>
+        </p:spPr>
+      </p:pic>
+      <p:pic>
+        <p:nvPicPr>
+          <p:cNvPr id="209" name="Google Shape;209;p33"/>
+          <p:cNvPicPr preferRelativeResize="0"/>
+          <p:nvPr/>
+        </p:nvPicPr>
+        <p:blipFill>
+          <a:blip r:embed="rId4">
+            <a:alphaModFix/>
+          </a:blip>
+          <a:stretch>
+            <a:fillRect/>
+          </a:stretch>
+        </p:blipFill>
+        <p:spPr>
+          <a:xfrm>
+            <a:off x="8158623" y="103648"/>
+            <a:ext cx="821453" cy="572699"/>
+          </a:xfrm>
+          <a:prstGeom prst="rect">
+            <a:avLst/>
+          </a:prstGeom>
+          <a:noFill/>
+          <a:ln>
+            <a:noFill/>
+          </a:ln>
+        </p:spPr>
+      </p:pic>
+    </p:spTree>
+  </p:cSld>
+  <p:clrMapOvr>
+    <a:masterClrMapping/>
+  </p:clrMapOvr>
+</p:sld>
+</file>
+
+<file path=ppt/slides/slide22.xml><?xml version="1.0" encoding="utf-8"?>
+<p:sld xmlns:a="http://schemas.openxmlformats.org/drawingml/2006/main" xmlns:r="http://schemas.openxmlformats.org/officeDocument/2006/relationships" xmlns:mc="http://schemas.openxmlformats.org/markup-compatibility/2006" xmlns:mv="urn:schemas-microsoft-com:mac:vml" xmlns:p="http://schemas.openxmlformats.org/presentationml/2006/main" xmlns:c="http://schemas.openxmlformats.org/drawingml/2006/chart" xmlns:dgm="http://schemas.openxmlformats.org/drawingml/2006/diagram" xmlns:o="urn:schemas-microsoft-com:office:office" xmlns:v="urn:schemas-microsoft-com:vml" xmlns:pvml="urn:schemas-microsoft-com:office:powerpoint" xmlns:com="http://schemas.openxmlformats.org/drawingml/2006/compatibility" xmlns:p14="http://schemas.microsoft.com/office/powerpoint/2010/main" xmlns:p15="http://schemas.microsoft.com/office/powerpoint/2012/main" xmlns:ahyp="http://schemas.microsoft.com/office/drawing/2018/hyperlinkcolor">
+  <p:cSld>
+    <p:spTree>
+      <p:nvGrpSpPr>
+        <p:cNvPr id="213" name="Shape 213"/>
+        <p:cNvGrpSpPr/>
+        <p:nvPr/>
+      </p:nvGrpSpPr>
+      <p:grpSpPr>
+        <a:xfrm>
+          <a:off x="0" y="0"/>
+          <a:ext cx="0" cy="0"/>
+          <a:chOff x="0" y="0"/>
+          <a:chExt cx="0" cy="0"/>
+        </a:xfrm>
+      </p:grpSpPr>
+      <p:sp>
+        <p:nvSpPr>
+          <p:cNvPr id="214" name="Google Shape;214;p34"/>
           <p:cNvSpPr txBox="1"/>
           <p:nvPr>
             <p:ph type="title"/>
@@ -9403,7 +10324,7 @@
       </p:sp>
       <p:sp>
         <p:nvSpPr>
-          <p:cNvPr id="188" name="Google Shape;188;p32"/>
+          <p:cNvPr id="215" name="Google Shape;215;p34"/>
           <p:cNvSpPr txBox="1"/>
           <p:nvPr>
             <p:ph idx="1" type="body"/>
@@ -9612,12 +10533,12 @@
 </p:sld>
 </file>
 
-<file path=ppt/slides/slide21.xml><?xml version="1.0" encoding="utf-8"?>
+<file path=ppt/slides/slide23.xml><?xml version="1.0" encoding="utf-8"?>
 <p:sld xmlns:a="http://schemas.openxmlformats.org/drawingml/2006/main" xmlns:r="http://schemas.openxmlformats.org/officeDocument/2006/relationships" xmlns:mc="http://schemas.openxmlformats.org/markup-compatibility/2006" xmlns:mv="urn:schemas-microsoft-com:mac:vml" xmlns:p="http://schemas.openxmlformats.org/presentationml/2006/main" xmlns:c="http://schemas.openxmlformats.org/drawingml/2006/chart" xmlns:dgm="http://schemas.openxmlformats.org/drawingml/2006/diagram" xmlns:o="urn:schemas-microsoft-com:office:office" xmlns:v="urn:schemas-microsoft-com:vml" xmlns:pvml="urn:schemas-microsoft-com:office:powerpoint" xmlns:com="http://schemas.openxmlformats.org/drawingml/2006/compatibility" xmlns:p14="http://schemas.microsoft.com/office/powerpoint/2010/main" xmlns:p15="http://schemas.microsoft.com/office/powerpoint/2012/main" xmlns:ahyp="http://schemas.microsoft.com/office/drawing/2018/hyperlinkcolor">
   <p:cSld>
     <p:spTree>
       <p:nvGrpSpPr>
-        <p:cNvPr id="192" name="Shape 192"/>
+        <p:cNvPr id="219" name="Shape 219"/>
         <p:cNvGrpSpPr/>
         <p:nvPr/>
       </p:nvGrpSpPr>
@@ -9631,7 +10552,7 @@
       </p:grpSpPr>
       <p:sp>
         <p:nvSpPr>
-          <p:cNvPr id="193" name="Google Shape;193;p33"/>
+          <p:cNvPr id="220" name="Google Shape;220;p35"/>
           <p:cNvSpPr txBox="1"/>
           <p:nvPr>
             <p:ph type="ctrTitle"/>
@@ -9679,7 +10600,7 @@
       </p:sp>
       <p:sp>
         <p:nvSpPr>
-          <p:cNvPr id="194" name="Google Shape;194;p33"/>
+          <p:cNvPr id="221" name="Google Shape;221;p35"/>
           <p:cNvSpPr txBox="1"/>
           <p:nvPr>
             <p:ph idx="1" type="subTitle"/>
@@ -9920,7 +10841,7 @@
             <a:tbl>
               <a:tblPr>
                 <a:noFill/>
-                <a:tableStyleId>{20AA5BFF-78E2-4543-8A15-67224D7AC5D5}</a:tableStyleId>
+                <a:tableStyleId>{D0942ECC-B5AF-4C04-A676-CD7FCF1A21F3}</a:tableStyleId>
               </a:tblPr>
               <a:tblGrid>
                 <a:gridCol w="2413000"/>
@@ -11693,7 +12614,7 @@
                   <a:srgbClr val="38761D"/>
                 </a:solidFill>
               </a:rPr>
-              <a:t>Qualità della vita</a:t>
+              <a:t>Qualità della vita </a:t>
             </a:r>
             <a:endParaRPr b="1" sz="2500">
               <a:solidFill>
@@ -11858,6 +12779,285 @@
 </file>
 
 <file path=ppt/theme/theme1.xml><?xml version="1.0" encoding="utf-8"?>
+<a:theme xmlns:a="http://schemas.openxmlformats.org/drawingml/2006/main" xmlns:r="http://schemas.openxmlformats.org/officeDocument/2006/relationships" name="Simple Light">
+  <a:themeElements>
+    <a:clrScheme name="Simple Light">
+      <a:dk1>
+        <a:srgbClr val="000000"/>
+      </a:dk1>
+      <a:lt1>
+        <a:srgbClr val="FFFFFF"/>
+      </a:lt1>
+      <a:dk2>
+        <a:srgbClr val="595959"/>
+      </a:dk2>
+      <a:lt2>
+        <a:srgbClr val="EEEEEE"/>
+      </a:lt2>
+      <a:accent1>
+        <a:srgbClr val="4285F4"/>
+      </a:accent1>
+      <a:accent2>
+        <a:srgbClr val="212121"/>
+      </a:accent2>
+      <a:accent3>
+        <a:srgbClr val="78909C"/>
+      </a:accent3>
+      <a:accent4>
+        <a:srgbClr val="FFAB40"/>
+      </a:accent4>
+      <a:accent5>
+        <a:srgbClr val="0097A7"/>
+      </a:accent5>
+      <a:accent6>
+        <a:srgbClr val="EEFF41"/>
+      </a:accent6>
+      <a:hlink>
+        <a:srgbClr val="0097A7"/>
+      </a:hlink>
+      <a:folHlink>
+        <a:srgbClr val="0097A7"/>
+      </a:folHlink>
+    </a:clrScheme>
+    <a:fontScheme name="Office">
+      <a:majorFont>
+        <a:latin typeface="Arial"/>
+        <a:ea typeface=""/>
+        <a:cs typeface=""/>
+        <a:font script="Jpan" typeface="ＭＳ Ｐゴシック"/>
+        <a:font script="Hang" typeface="맑은 고딕"/>
+        <a:font script="Hans" typeface="宋体"/>
+        <a:font script="Hant" typeface="新細明體"/>
+        <a:font script="Arab" typeface="Times New Roman"/>
+        <a:font script="Hebr" typeface="Times New Roman"/>
+        <a:font script="Thai" typeface="Angsana New"/>
+        <a:font script="Ethi" typeface="Nyala"/>
+        <a:font script="Beng" typeface="Vrinda"/>
+        <a:font script="Gujr" typeface="Shruti"/>
+        <a:font script="Khmr" typeface="MoolBoran"/>
+        <a:font script="Knda" typeface="Tunga"/>
+        <a:font script="Guru" typeface="Raavi"/>
+        <a:font script="Cans" typeface="Euphemia"/>
+        <a:font script="Cher" typeface="Plantagenet Cherokee"/>
+        <a:font script="Yiii" typeface="Microsoft Yi Baiti"/>
+        <a:font script="Tibt" typeface="Microsoft Himalaya"/>
+        <a:font script="Thaa" typeface="MV Boli"/>
+        <a:font script="Deva" typeface="Mangal"/>
+        <a:font script="Telu" typeface="Gautami"/>
+        <a:font script="Taml" typeface="Latha"/>
+        <a:font script="Syrc" typeface="Estrangelo Edessa"/>
+        <a:font script="Orya" typeface="Kalinga"/>
+        <a:font script="Mlym" typeface="Kartika"/>
+        <a:font script="Laoo" typeface="DokChampa"/>
+        <a:font script="Sinh" typeface="Iskoola Pota"/>
+        <a:font script="Mong" typeface="Mongolian Baiti"/>
+        <a:font script="Viet" typeface="Times New Roman"/>
+        <a:font script="Uigh" typeface="Microsoft Uighur"/>
+        <a:font script="Geor" typeface="Sylfaen"/>
+      </a:majorFont>
+      <a:minorFont>
+        <a:latin typeface="Arial"/>
+        <a:ea typeface=""/>
+        <a:cs typeface=""/>
+        <a:font script="Jpan" typeface="ＭＳ Ｐゴシック"/>
+        <a:font script="Hang" typeface="맑은 고딕"/>
+        <a:font script="Hans" typeface="宋体"/>
+        <a:font script="Hant" typeface="新細明體"/>
+        <a:font script="Arab" typeface="Arial"/>
+        <a:font script="Hebr" typeface="Arial"/>
+        <a:font script="Thai" typeface="Cordia New"/>
+        <a:font script="Ethi" typeface="Nyala"/>
+        <a:font script="Beng" typeface="Vrinda"/>
+        <a:font script="Gujr" typeface="Shruti"/>
+        <a:font script="Khmr" typeface="DaunPenh"/>
+        <a:font script="Knda" typeface="Tunga"/>
+        <a:font script="Guru" typeface="Raavi"/>
+        <a:font script="Cans" typeface="Euphemia"/>
+        <a:font script="Cher" typeface="Plantagenet Cherokee"/>
+        <a:font script="Yiii" typeface="Microsoft Yi Baiti"/>
+        <a:font script="Tibt" typeface="Microsoft Himalaya"/>
+        <a:font script="Thaa" typeface="MV Boli"/>
+        <a:font script="Deva" typeface="Mangal"/>
+        <a:font script="Telu" typeface="Gautami"/>
+        <a:font script="Taml" typeface="Latha"/>
+        <a:font script="Syrc" typeface="Estrangelo Edessa"/>
+        <a:font script="Orya" typeface="Kalinga"/>
+        <a:font script="Mlym" typeface="Kartika"/>
+        <a:font script="Laoo" typeface="DokChampa"/>
+        <a:font script="Sinh" typeface="Iskoola Pota"/>
+        <a:font script="Mong" typeface="Mongolian Baiti"/>
+        <a:font script="Viet" typeface="Arial"/>
+        <a:font script="Uigh" typeface="Microsoft Uighur"/>
+        <a:font script="Geor" typeface="Sylfaen"/>
+      </a:minorFont>
+    </a:fontScheme>
+    <a:fmtScheme name="Office">
+      <a:fillStyleLst>
+        <a:solidFill>
+          <a:schemeClr val="phClr"/>
+        </a:solidFill>
+        <a:gradFill rotWithShape="1">
+          <a:gsLst>
+            <a:gs pos="0">
+              <a:schemeClr val="phClr">
+                <a:tint val="50000"/>
+                <a:satMod val="300000"/>
+              </a:schemeClr>
+            </a:gs>
+            <a:gs pos="35000">
+              <a:schemeClr val="phClr">
+                <a:tint val="37000"/>
+                <a:satMod val="300000"/>
+              </a:schemeClr>
+            </a:gs>
+            <a:gs pos="100000">
+              <a:schemeClr val="phClr">
+                <a:tint val="15000"/>
+                <a:satMod val="350000"/>
+              </a:schemeClr>
+            </a:gs>
+          </a:gsLst>
+          <a:lin ang="16200000" scaled="1"/>
+        </a:gradFill>
+        <a:gradFill rotWithShape="1">
+          <a:gsLst>
+            <a:gs pos="0">
+              <a:schemeClr val="phClr">
+                <a:tint val="100000"/>
+                <a:shade val="100000"/>
+                <a:satMod val="130000"/>
+              </a:schemeClr>
+            </a:gs>
+            <a:gs pos="100000">
+              <a:schemeClr val="phClr">
+                <a:tint val="50000"/>
+                <a:shade val="100000"/>
+                <a:satMod val="350000"/>
+              </a:schemeClr>
+            </a:gs>
+          </a:gsLst>
+          <a:lin ang="16200000" scaled="0"/>
+        </a:gradFill>
+      </a:fillStyleLst>
+      <a:lnStyleLst>
+        <a:ln w="9525" cap="flat" cmpd="sng" algn="ctr">
+          <a:solidFill>
+            <a:schemeClr val="phClr">
+              <a:shade val="95000"/>
+              <a:satMod val="105000"/>
+            </a:schemeClr>
+          </a:solidFill>
+          <a:prstDash val="solid"/>
+        </a:ln>
+        <a:ln w="25400" cap="flat" cmpd="sng" algn="ctr">
+          <a:solidFill>
+            <a:schemeClr val="phClr"/>
+          </a:solidFill>
+          <a:prstDash val="solid"/>
+        </a:ln>
+        <a:ln w="38100" cap="flat" cmpd="sng" algn="ctr">
+          <a:solidFill>
+            <a:schemeClr val="phClr"/>
+          </a:solidFill>
+          <a:prstDash val="solid"/>
+        </a:ln>
+      </a:lnStyleLst>
+      <a:effectStyleLst>
+        <a:effectStyle>
+          <a:effectLst>
+            <a:outerShdw blurRad="40000" dist="20000" dir="5400000" rotWithShape="0">
+              <a:srgbClr val="000000">
+                <a:alpha val="38000"/>
+              </a:srgbClr>
+            </a:outerShdw>
+          </a:effectLst>
+        </a:effectStyle>
+        <a:effectStyle>
+          <a:effectLst>
+            <a:outerShdw blurRad="40000" dist="23000" dir="5400000" rotWithShape="0">
+              <a:srgbClr val="000000">
+                <a:alpha val="35000"/>
+              </a:srgbClr>
+            </a:outerShdw>
+          </a:effectLst>
+        </a:effectStyle>
+        <a:effectStyle>
+          <a:effectLst>
+            <a:outerShdw blurRad="40000" dist="23000" dir="5400000" rotWithShape="0">
+              <a:srgbClr val="000000">
+                <a:alpha val="35000"/>
+              </a:srgbClr>
+            </a:outerShdw>
+          </a:effectLst>
+          <a:scene3d>
+            <a:camera prst="orthographicFront">
+              <a:rot lat="0" lon="0" rev="0"/>
+            </a:camera>
+            <a:lightRig rig="threePt" dir="t">
+              <a:rot lat="0" lon="0" rev="1200000"/>
+            </a:lightRig>
+          </a:scene3d>
+          <a:sp3d>
+            <a:bevelT w="63500" h="25400"/>
+          </a:sp3d>
+        </a:effectStyle>
+      </a:effectStyleLst>
+      <a:bgFillStyleLst>
+        <a:solidFill>
+          <a:schemeClr val="phClr"/>
+        </a:solidFill>
+        <a:gradFill rotWithShape="1">
+          <a:gsLst>
+            <a:gs pos="0">
+              <a:schemeClr val="phClr">
+                <a:tint val="40000"/>
+                <a:satMod val="350000"/>
+              </a:schemeClr>
+            </a:gs>
+            <a:gs pos="40000">
+              <a:schemeClr val="phClr">
+                <a:tint val="45000"/>
+                <a:shade val="99000"/>
+                <a:satMod val="350000"/>
+              </a:schemeClr>
+            </a:gs>
+            <a:gs pos="100000">
+              <a:schemeClr val="phClr">
+                <a:shade val="20000"/>
+                <a:satMod val="255000"/>
+              </a:schemeClr>
+            </a:gs>
+          </a:gsLst>
+          <a:path path="circle">
+            <a:fillToRect l="50000" t="-80000" r="50000" b="180000"/>
+          </a:path>
+        </a:gradFill>
+        <a:gradFill rotWithShape="1">
+          <a:gsLst>
+            <a:gs pos="0">
+              <a:schemeClr val="phClr">
+                <a:tint val="80000"/>
+                <a:satMod val="300000"/>
+              </a:schemeClr>
+            </a:gs>
+            <a:gs pos="100000">
+              <a:schemeClr val="phClr">
+                <a:shade val="30000"/>
+                <a:satMod val="200000"/>
+              </a:schemeClr>
+            </a:gs>
+          </a:gsLst>
+          <a:path path="circle">
+            <a:fillToRect l="50000" t="50000" r="50000" b="50000"/>
+          </a:path>
+        </a:gradFill>
+      </a:bgFillStyleLst>
+    </a:fmtScheme>
+  </a:themeElements>
+</a:theme>
+</file>
+
+<file path=ppt/theme/theme2.xml><?xml version="1.0" encoding="utf-8"?>
 <a:theme xmlns:a="http://schemas.openxmlformats.org/drawingml/2006/main" xmlns:r="http://schemas.openxmlformats.org/officeDocument/2006/relationships">
   <a:themeElements>
     <a:clrScheme name="Default">
@@ -12134,283 +13334,4 @@
     </a:fmtScheme>
   </a:themeElements>
 </a:theme>
-</file>
-
-<file path=ppt/theme/theme2.xml><?xml version="1.0" encoding="utf-8"?>
-<a:theme xmlns:a="http://schemas.openxmlformats.org/drawingml/2006/main" xmlns:r="http://schemas.openxmlformats.org/officeDocument/2006/relationships" name="Simple Light">
-  <a:themeElements>
-    <a:clrScheme name="Simple Light">
-      <a:dk1>
-        <a:srgbClr val="000000"/>
-      </a:dk1>
-      <a:lt1>
-        <a:srgbClr val="FFFFFF"/>
-      </a:lt1>
-      <a:dk2>
-        <a:srgbClr val="595959"/>
-      </a:dk2>
-      <a:lt2>
-        <a:srgbClr val="EEEEEE"/>
-      </a:lt2>
-      <a:accent1>
-        <a:srgbClr val="4285F4"/>
-      </a:accent1>
-      <a:accent2>
-        <a:srgbClr val="212121"/>
-      </a:accent2>
-      <a:accent3>
-        <a:srgbClr val="78909C"/>
-      </a:accent3>
-      <a:accent4>
-        <a:srgbClr val="FFAB40"/>
-      </a:accent4>
-      <a:accent5>
-        <a:srgbClr val="0097A7"/>
-      </a:accent5>
-      <a:accent6>
-        <a:srgbClr val="EEFF41"/>
-      </a:accent6>
-      <a:hlink>
-        <a:srgbClr val="0097A7"/>
-      </a:hlink>
-      <a:folHlink>
-        <a:srgbClr val="0097A7"/>
-      </a:folHlink>
-    </a:clrScheme>
-    <a:fontScheme name="Office">
-      <a:majorFont>
-        <a:latin typeface="Arial"/>
-        <a:ea typeface=""/>
-        <a:cs typeface=""/>
-        <a:font script="Jpan" typeface="ＭＳ Ｐゴシック"/>
-        <a:font script="Hang" typeface="맑은 고딕"/>
-        <a:font script="Hans" typeface="宋体"/>
-        <a:font script="Hant" typeface="新細明體"/>
-        <a:font script="Arab" typeface="Times New Roman"/>
-        <a:font script="Hebr" typeface="Times New Roman"/>
-        <a:font script="Thai" typeface="Angsana New"/>
-        <a:font script="Ethi" typeface="Nyala"/>
-        <a:font script="Beng" typeface="Vrinda"/>
-        <a:font script="Gujr" typeface="Shruti"/>
-        <a:font script="Khmr" typeface="MoolBoran"/>
-        <a:font script="Knda" typeface="Tunga"/>
-        <a:font script="Guru" typeface="Raavi"/>
-        <a:font script="Cans" typeface="Euphemia"/>
-        <a:font script="Cher" typeface="Plantagenet Cherokee"/>
-        <a:font script="Yiii" typeface="Microsoft Yi Baiti"/>
-        <a:font script="Tibt" typeface="Microsoft Himalaya"/>
-        <a:font script="Thaa" typeface="MV Boli"/>
-        <a:font script="Deva" typeface="Mangal"/>
-        <a:font script="Telu" typeface="Gautami"/>
-        <a:font script="Taml" typeface="Latha"/>
-        <a:font script="Syrc" typeface="Estrangelo Edessa"/>
-        <a:font script="Orya" typeface="Kalinga"/>
-        <a:font script="Mlym" typeface="Kartika"/>
-        <a:font script="Laoo" typeface="DokChampa"/>
-        <a:font script="Sinh" typeface="Iskoola Pota"/>
-        <a:font script="Mong" typeface="Mongolian Baiti"/>
-        <a:font script="Viet" typeface="Times New Roman"/>
-        <a:font script="Uigh" typeface="Microsoft Uighur"/>
-        <a:font script="Geor" typeface="Sylfaen"/>
-      </a:majorFont>
-      <a:minorFont>
-        <a:latin typeface="Arial"/>
-        <a:ea typeface=""/>
-        <a:cs typeface=""/>
-        <a:font script="Jpan" typeface="ＭＳ Ｐゴシック"/>
-        <a:font script="Hang" typeface="맑은 고딕"/>
-        <a:font script="Hans" typeface="宋体"/>
-        <a:font script="Hant" typeface="新細明體"/>
-        <a:font script="Arab" typeface="Arial"/>
-        <a:font script="Hebr" typeface="Arial"/>
-        <a:font script="Thai" typeface="Cordia New"/>
-        <a:font script="Ethi" typeface="Nyala"/>
-        <a:font script="Beng" typeface="Vrinda"/>
-        <a:font script="Gujr" typeface="Shruti"/>
-        <a:font script="Khmr" typeface="DaunPenh"/>
-        <a:font script="Knda" typeface="Tunga"/>
-        <a:font script="Guru" typeface="Raavi"/>
-        <a:font script="Cans" typeface="Euphemia"/>
-        <a:font script="Cher" typeface="Plantagenet Cherokee"/>
-        <a:font script="Yiii" typeface="Microsoft Yi Baiti"/>
-        <a:font script="Tibt" typeface="Microsoft Himalaya"/>
-        <a:font script="Thaa" typeface="MV Boli"/>
-        <a:font script="Deva" typeface="Mangal"/>
-        <a:font script="Telu" typeface="Gautami"/>
-        <a:font script="Taml" typeface="Latha"/>
-        <a:font script="Syrc" typeface="Estrangelo Edessa"/>
-        <a:font script="Orya" typeface="Kalinga"/>
-        <a:font script="Mlym" typeface="Kartika"/>
-        <a:font script="Laoo" typeface="DokChampa"/>
-        <a:font script="Sinh" typeface="Iskoola Pota"/>
-        <a:font script="Mong" typeface="Mongolian Baiti"/>
-        <a:font script="Viet" typeface="Arial"/>
-        <a:font script="Uigh" typeface="Microsoft Uighur"/>
-        <a:font script="Geor" typeface="Sylfaen"/>
-      </a:minorFont>
-    </a:fontScheme>
-    <a:fmtScheme name="Office">
-      <a:fillStyleLst>
-        <a:solidFill>
-          <a:schemeClr val="phClr"/>
-        </a:solidFill>
-        <a:gradFill rotWithShape="1">
-          <a:gsLst>
-            <a:gs pos="0">
-              <a:schemeClr val="phClr">
-                <a:tint val="50000"/>
-                <a:satMod val="300000"/>
-              </a:schemeClr>
-            </a:gs>
-            <a:gs pos="35000">
-              <a:schemeClr val="phClr">
-                <a:tint val="37000"/>
-                <a:satMod val="300000"/>
-              </a:schemeClr>
-            </a:gs>
-            <a:gs pos="100000">
-              <a:schemeClr val="phClr">
-                <a:tint val="15000"/>
-                <a:satMod val="350000"/>
-              </a:schemeClr>
-            </a:gs>
-          </a:gsLst>
-          <a:lin ang="16200000" scaled="1"/>
-        </a:gradFill>
-        <a:gradFill rotWithShape="1">
-          <a:gsLst>
-            <a:gs pos="0">
-              <a:schemeClr val="phClr">
-                <a:tint val="100000"/>
-                <a:shade val="100000"/>
-                <a:satMod val="130000"/>
-              </a:schemeClr>
-            </a:gs>
-            <a:gs pos="100000">
-              <a:schemeClr val="phClr">
-                <a:tint val="50000"/>
-                <a:shade val="100000"/>
-                <a:satMod val="350000"/>
-              </a:schemeClr>
-            </a:gs>
-          </a:gsLst>
-          <a:lin ang="16200000" scaled="0"/>
-        </a:gradFill>
-      </a:fillStyleLst>
-      <a:lnStyleLst>
-        <a:ln w="9525" cap="flat" cmpd="sng" algn="ctr">
-          <a:solidFill>
-            <a:schemeClr val="phClr">
-              <a:shade val="95000"/>
-              <a:satMod val="105000"/>
-            </a:schemeClr>
-          </a:solidFill>
-          <a:prstDash val="solid"/>
-        </a:ln>
-        <a:ln w="25400" cap="flat" cmpd="sng" algn="ctr">
-          <a:solidFill>
-            <a:schemeClr val="phClr"/>
-          </a:solidFill>
-          <a:prstDash val="solid"/>
-        </a:ln>
-        <a:ln w="38100" cap="flat" cmpd="sng" algn="ctr">
-          <a:solidFill>
-            <a:schemeClr val="phClr"/>
-          </a:solidFill>
-          <a:prstDash val="solid"/>
-        </a:ln>
-      </a:lnStyleLst>
-      <a:effectStyleLst>
-        <a:effectStyle>
-          <a:effectLst>
-            <a:outerShdw blurRad="40000" dist="20000" dir="5400000" rotWithShape="0">
-              <a:srgbClr val="000000">
-                <a:alpha val="38000"/>
-              </a:srgbClr>
-            </a:outerShdw>
-          </a:effectLst>
-        </a:effectStyle>
-        <a:effectStyle>
-          <a:effectLst>
-            <a:outerShdw blurRad="40000" dist="23000" dir="5400000" rotWithShape="0">
-              <a:srgbClr val="000000">
-                <a:alpha val="35000"/>
-              </a:srgbClr>
-            </a:outerShdw>
-          </a:effectLst>
-        </a:effectStyle>
-        <a:effectStyle>
-          <a:effectLst>
-            <a:outerShdw blurRad="40000" dist="23000" dir="5400000" rotWithShape="0">
-              <a:srgbClr val="000000">
-                <a:alpha val="35000"/>
-              </a:srgbClr>
-            </a:outerShdw>
-          </a:effectLst>
-          <a:scene3d>
-            <a:camera prst="orthographicFront">
-              <a:rot lat="0" lon="0" rev="0"/>
-            </a:camera>
-            <a:lightRig rig="threePt" dir="t">
-              <a:rot lat="0" lon="0" rev="1200000"/>
-            </a:lightRig>
-          </a:scene3d>
-          <a:sp3d>
-            <a:bevelT w="63500" h="25400"/>
-          </a:sp3d>
-        </a:effectStyle>
-      </a:effectStyleLst>
-      <a:bgFillStyleLst>
-        <a:solidFill>
-          <a:schemeClr val="phClr"/>
-        </a:solidFill>
-        <a:gradFill rotWithShape="1">
-          <a:gsLst>
-            <a:gs pos="0">
-              <a:schemeClr val="phClr">
-                <a:tint val="40000"/>
-                <a:satMod val="350000"/>
-              </a:schemeClr>
-            </a:gs>
-            <a:gs pos="40000">
-              <a:schemeClr val="phClr">
-                <a:tint val="45000"/>
-                <a:shade val="99000"/>
-                <a:satMod val="350000"/>
-              </a:schemeClr>
-            </a:gs>
-            <a:gs pos="100000">
-              <a:schemeClr val="phClr">
-                <a:shade val="20000"/>
-                <a:satMod val="255000"/>
-              </a:schemeClr>
-            </a:gs>
-          </a:gsLst>
-          <a:path path="circle">
-            <a:fillToRect l="50000" t="-80000" r="50000" b="180000"/>
-          </a:path>
-        </a:gradFill>
-        <a:gradFill rotWithShape="1">
-          <a:gsLst>
-            <a:gs pos="0">
-              <a:schemeClr val="phClr">
-                <a:tint val="80000"/>
-                <a:satMod val="300000"/>
-              </a:schemeClr>
-            </a:gs>
-            <a:gs pos="100000">
-              <a:schemeClr val="phClr">
-                <a:shade val="30000"/>
-                <a:satMod val="200000"/>
-              </a:schemeClr>
-            </a:gs>
-          </a:gsLst>
-          <a:path path="circle">
-            <a:fillToRect l="50000" t="50000" r="50000" b="50000"/>
-          </a:path>
-        </a:gradFill>
-      </a:bgFillStyleLst>
-    </a:fmtScheme>
-  </a:themeElements>
-</a:theme>
 </file>